--- a/1. 기능정리/Project6 기능정리 - 민기.pptx
+++ b/1. 기능정리/Project6 기능정리 - 민기.pptx
@@ -107,6 +107,22 @@
       </a:defRPr>
     </a:lvl9pPr>
   </p:defaultTextStyle>
+  <p:extLst>
+    <p:ext uri="{EFAFB233-063F-42B5-8137-9DF3F51BA10A}">
+      <p15:sldGuideLst xmlns:p15="http://schemas.microsoft.com/office/powerpoint/2012/main">
+        <p15:guide id="1" orient="horz" pos="2160">
+          <p15:clr>
+            <a:srgbClr val="A4A3A4"/>
+          </p15:clr>
+        </p15:guide>
+        <p15:guide id="2" pos="2880">
+          <p15:clr>
+            <a:srgbClr val="A4A3A4"/>
+          </p15:clr>
+        </p15:guide>
+      </p15:sldGuideLst>
+    </p:ext>
+  </p:extLst>
 </p:presentation>
 </file>
 
@@ -148,10 +164,9 @@
           <a:lstStyle/>
           <a:p>
             <a:r>
-              <a:rPr lang="ko-KR" altLang="en-US" smtClean="0"/>
+              <a:rPr lang="ko-KR" altLang="en-US"/>
               <a:t>마스터 제목 스타일 편집</a:t>
             </a:r>
-            <a:endParaRPr lang="ko-KR" altLang="en-US"/>
           </a:p>
         </p:txBody>
       </p:sp>
@@ -267,10 +282,9 @@
           </a:lstStyle>
           <a:p>
             <a:r>
-              <a:rPr lang="ko-KR" altLang="en-US" smtClean="0"/>
+              <a:rPr lang="ko-KR" altLang="en-US"/>
               <a:t>마스터 부제목 스타일 편집</a:t>
             </a:r>
-            <a:endParaRPr lang="ko-KR" altLang="en-US"/>
           </a:p>
         </p:txBody>
       </p:sp>
@@ -380,10 +394,9 @@
           <a:lstStyle/>
           <a:p>
             <a:r>
-              <a:rPr lang="ko-KR" altLang="en-US" smtClean="0"/>
+              <a:rPr lang="ko-KR" altLang="en-US"/>
               <a:t>마스터 제목 스타일 편집</a:t>
             </a:r>
-            <a:endParaRPr lang="ko-KR" altLang="en-US"/>
           </a:p>
         </p:txBody>
       </p:sp>
@@ -404,38 +417,37 @@
           <a:p>
             <a:pPr lvl="0"/>
             <a:r>
-              <a:rPr lang="ko-KR" altLang="en-US" smtClean="0"/>
+              <a:rPr lang="ko-KR" altLang="en-US"/>
               <a:t>마스터 텍스트 스타일을 편집합니다</a:t>
             </a:r>
           </a:p>
           <a:p>
             <a:pPr lvl="1"/>
             <a:r>
-              <a:rPr lang="ko-KR" altLang="en-US" smtClean="0"/>
+              <a:rPr lang="ko-KR" altLang="en-US"/>
               <a:t>둘째 수준</a:t>
             </a:r>
           </a:p>
           <a:p>
             <a:pPr lvl="2"/>
             <a:r>
-              <a:rPr lang="ko-KR" altLang="en-US" smtClean="0"/>
+              <a:rPr lang="ko-KR" altLang="en-US"/>
               <a:t>셋째 수준</a:t>
             </a:r>
           </a:p>
           <a:p>
             <a:pPr lvl="3"/>
             <a:r>
-              <a:rPr lang="ko-KR" altLang="en-US" smtClean="0"/>
+              <a:rPr lang="ko-KR" altLang="en-US"/>
               <a:t>넷째 수준</a:t>
             </a:r>
           </a:p>
           <a:p>
             <a:pPr lvl="4"/>
             <a:r>
-              <a:rPr lang="ko-KR" altLang="en-US" smtClean="0"/>
+              <a:rPr lang="ko-KR" altLang="en-US"/>
               <a:t>다섯째 수준</a:t>
             </a:r>
-            <a:endParaRPr lang="ko-KR" altLang="en-US"/>
           </a:p>
         </p:txBody>
       </p:sp>
@@ -550,10 +562,9 @@
           <a:lstStyle/>
           <a:p>
             <a:r>
-              <a:rPr lang="ko-KR" altLang="en-US" smtClean="0"/>
+              <a:rPr lang="ko-KR" altLang="en-US"/>
               <a:t>마스터 제목 스타일 편집</a:t>
             </a:r>
-            <a:endParaRPr lang="ko-KR" altLang="en-US"/>
           </a:p>
         </p:txBody>
       </p:sp>
@@ -579,38 +590,37 @@
           <a:p>
             <a:pPr lvl="0"/>
             <a:r>
-              <a:rPr lang="ko-KR" altLang="en-US" smtClean="0"/>
+              <a:rPr lang="ko-KR" altLang="en-US"/>
               <a:t>마스터 텍스트 스타일을 편집합니다</a:t>
             </a:r>
           </a:p>
           <a:p>
             <a:pPr lvl="1"/>
             <a:r>
-              <a:rPr lang="ko-KR" altLang="en-US" smtClean="0"/>
+              <a:rPr lang="ko-KR" altLang="en-US"/>
               <a:t>둘째 수준</a:t>
             </a:r>
           </a:p>
           <a:p>
             <a:pPr lvl="2"/>
             <a:r>
-              <a:rPr lang="ko-KR" altLang="en-US" smtClean="0"/>
+              <a:rPr lang="ko-KR" altLang="en-US"/>
               <a:t>셋째 수준</a:t>
             </a:r>
           </a:p>
           <a:p>
             <a:pPr lvl="3"/>
             <a:r>
-              <a:rPr lang="ko-KR" altLang="en-US" smtClean="0"/>
+              <a:rPr lang="ko-KR" altLang="en-US"/>
               <a:t>넷째 수준</a:t>
             </a:r>
           </a:p>
           <a:p>
             <a:pPr lvl="4"/>
             <a:r>
-              <a:rPr lang="ko-KR" altLang="en-US" smtClean="0"/>
+              <a:rPr lang="ko-KR" altLang="en-US"/>
               <a:t>다섯째 수준</a:t>
             </a:r>
-            <a:endParaRPr lang="ko-KR" altLang="en-US"/>
           </a:p>
         </p:txBody>
       </p:sp>
@@ -720,10 +730,9 @@
           <a:lstStyle/>
           <a:p>
             <a:r>
-              <a:rPr lang="ko-KR" altLang="en-US" smtClean="0"/>
+              <a:rPr lang="ko-KR" altLang="en-US"/>
               <a:t>마스터 제목 스타일 편집</a:t>
             </a:r>
-            <a:endParaRPr lang="ko-KR" altLang="en-US"/>
           </a:p>
         </p:txBody>
       </p:sp>
@@ -744,38 +753,37 @@
           <a:p>
             <a:pPr lvl="0"/>
             <a:r>
-              <a:rPr lang="ko-KR" altLang="en-US" smtClean="0"/>
+              <a:rPr lang="ko-KR" altLang="en-US"/>
               <a:t>마스터 텍스트 스타일을 편집합니다</a:t>
             </a:r>
           </a:p>
           <a:p>
             <a:pPr lvl="1"/>
             <a:r>
-              <a:rPr lang="ko-KR" altLang="en-US" smtClean="0"/>
+              <a:rPr lang="ko-KR" altLang="en-US"/>
               <a:t>둘째 수준</a:t>
             </a:r>
           </a:p>
           <a:p>
             <a:pPr lvl="2"/>
             <a:r>
-              <a:rPr lang="ko-KR" altLang="en-US" smtClean="0"/>
+              <a:rPr lang="ko-KR" altLang="en-US"/>
               <a:t>셋째 수준</a:t>
             </a:r>
           </a:p>
           <a:p>
             <a:pPr lvl="3"/>
             <a:r>
-              <a:rPr lang="ko-KR" altLang="en-US" smtClean="0"/>
+              <a:rPr lang="ko-KR" altLang="en-US"/>
               <a:t>넷째 수준</a:t>
             </a:r>
           </a:p>
           <a:p>
             <a:pPr lvl="4"/>
             <a:r>
-              <a:rPr lang="ko-KR" altLang="en-US" smtClean="0"/>
+              <a:rPr lang="ko-KR" altLang="en-US"/>
               <a:t>다섯째 수준</a:t>
             </a:r>
-            <a:endParaRPr lang="ko-KR" altLang="en-US"/>
           </a:p>
         </p:txBody>
       </p:sp>
@@ -894,10 +902,9 @@
           </a:lstStyle>
           <a:p>
             <a:r>
-              <a:rPr lang="ko-KR" altLang="en-US" smtClean="0"/>
+              <a:rPr lang="ko-KR" altLang="en-US"/>
               <a:t>마스터 제목 스타일 편집</a:t>
             </a:r>
-            <a:endParaRPr lang="ko-KR" altLang="en-US"/>
           </a:p>
         </p:txBody>
       </p:sp>
@@ -1014,7 +1021,7 @@
           <a:p>
             <a:pPr lvl="0"/>
             <a:r>
-              <a:rPr lang="ko-KR" altLang="en-US" smtClean="0"/>
+              <a:rPr lang="ko-KR" altLang="en-US"/>
               <a:t>마스터 텍스트 스타일을 편집합니다</a:t>
             </a:r>
           </a:p>
@@ -1126,10 +1133,9 @@
           <a:lstStyle/>
           <a:p>
             <a:r>
-              <a:rPr lang="ko-KR" altLang="en-US" smtClean="0"/>
+              <a:rPr lang="ko-KR" altLang="en-US"/>
               <a:t>마스터 제목 스타일 편집</a:t>
             </a:r>
-            <a:endParaRPr lang="ko-KR" altLang="en-US"/>
           </a:p>
         </p:txBody>
       </p:sp>
@@ -1183,38 +1189,37 @@
           <a:p>
             <a:pPr lvl="0"/>
             <a:r>
-              <a:rPr lang="ko-KR" altLang="en-US" smtClean="0"/>
+              <a:rPr lang="ko-KR" altLang="en-US"/>
               <a:t>마스터 텍스트 스타일을 편집합니다</a:t>
             </a:r>
           </a:p>
           <a:p>
             <a:pPr lvl="1"/>
             <a:r>
-              <a:rPr lang="ko-KR" altLang="en-US" smtClean="0"/>
+              <a:rPr lang="ko-KR" altLang="en-US"/>
               <a:t>둘째 수준</a:t>
             </a:r>
           </a:p>
           <a:p>
             <a:pPr lvl="2"/>
             <a:r>
-              <a:rPr lang="ko-KR" altLang="en-US" smtClean="0"/>
+              <a:rPr lang="ko-KR" altLang="en-US"/>
               <a:t>셋째 수준</a:t>
             </a:r>
           </a:p>
           <a:p>
             <a:pPr lvl="3"/>
             <a:r>
-              <a:rPr lang="ko-KR" altLang="en-US" smtClean="0"/>
+              <a:rPr lang="ko-KR" altLang="en-US"/>
               <a:t>넷째 수준</a:t>
             </a:r>
           </a:p>
           <a:p>
             <a:pPr lvl="4"/>
             <a:r>
-              <a:rPr lang="ko-KR" altLang="en-US" smtClean="0"/>
+              <a:rPr lang="ko-KR" altLang="en-US"/>
               <a:t>다섯째 수준</a:t>
             </a:r>
-            <a:endParaRPr lang="ko-KR" altLang="en-US"/>
           </a:p>
         </p:txBody>
       </p:sp>
@@ -1268,38 +1273,37 @@
           <a:p>
             <a:pPr lvl="0"/>
             <a:r>
-              <a:rPr lang="ko-KR" altLang="en-US" smtClean="0"/>
+              <a:rPr lang="ko-KR" altLang="en-US"/>
               <a:t>마스터 텍스트 스타일을 편집합니다</a:t>
             </a:r>
           </a:p>
           <a:p>
             <a:pPr lvl="1"/>
             <a:r>
-              <a:rPr lang="ko-KR" altLang="en-US" smtClean="0"/>
+              <a:rPr lang="ko-KR" altLang="en-US"/>
               <a:t>둘째 수준</a:t>
             </a:r>
           </a:p>
           <a:p>
             <a:pPr lvl="2"/>
             <a:r>
-              <a:rPr lang="ko-KR" altLang="en-US" smtClean="0"/>
+              <a:rPr lang="ko-KR" altLang="en-US"/>
               <a:t>셋째 수준</a:t>
             </a:r>
           </a:p>
           <a:p>
             <a:pPr lvl="3"/>
             <a:r>
-              <a:rPr lang="ko-KR" altLang="en-US" smtClean="0"/>
+              <a:rPr lang="ko-KR" altLang="en-US"/>
               <a:t>넷째 수준</a:t>
             </a:r>
           </a:p>
           <a:p>
             <a:pPr lvl="4"/>
             <a:r>
-              <a:rPr lang="ko-KR" altLang="en-US" smtClean="0"/>
+              <a:rPr lang="ko-KR" altLang="en-US"/>
               <a:t>다섯째 수준</a:t>
             </a:r>
-            <a:endParaRPr lang="ko-KR" altLang="en-US"/>
           </a:p>
         </p:txBody>
       </p:sp>
@@ -1413,10 +1417,9 @@
           </a:lstStyle>
           <a:p>
             <a:r>
-              <a:rPr lang="ko-KR" altLang="en-US" smtClean="0"/>
+              <a:rPr lang="ko-KR" altLang="en-US"/>
               <a:t>마스터 제목 스타일 편집</a:t>
             </a:r>
-            <a:endParaRPr lang="ko-KR" altLang="en-US"/>
           </a:p>
         </p:txBody>
       </p:sp>
@@ -1479,7 +1482,7 @@
           <a:p>
             <a:pPr lvl="0"/>
             <a:r>
-              <a:rPr lang="ko-KR" altLang="en-US" smtClean="0"/>
+              <a:rPr lang="ko-KR" altLang="en-US"/>
               <a:t>마스터 텍스트 스타일을 편집합니다</a:t>
             </a:r>
           </a:p>
@@ -1535,38 +1538,37 @@
           <a:p>
             <a:pPr lvl="0"/>
             <a:r>
-              <a:rPr lang="ko-KR" altLang="en-US" smtClean="0"/>
+              <a:rPr lang="ko-KR" altLang="en-US"/>
               <a:t>마스터 텍스트 스타일을 편집합니다</a:t>
             </a:r>
           </a:p>
           <a:p>
             <a:pPr lvl="1"/>
             <a:r>
-              <a:rPr lang="ko-KR" altLang="en-US" smtClean="0"/>
+              <a:rPr lang="ko-KR" altLang="en-US"/>
               <a:t>둘째 수준</a:t>
             </a:r>
           </a:p>
           <a:p>
             <a:pPr lvl="2"/>
             <a:r>
-              <a:rPr lang="ko-KR" altLang="en-US" smtClean="0"/>
+              <a:rPr lang="ko-KR" altLang="en-US"/>
               <a:t>셋째 수준</a:t>
             </a:r>
           </a:p>
           <a:p>
             <a:pPr lvl="3"/>
             <a:r>
-              <a:rPr lang="ko-KR" altLang="en-US" smtClean="0"/>
+              <a:rPr lang="ko-KR" altLang="en-US"/>
               <a:t>넷째 수준</a:t>
             </a:r>
           </a:p>
           <a:p>
             <a:pPr lvl="4"/>
             <a:r>
-              <a:rPr lang="ko-KR" altLang="en-US" smtClean="0"/>
+              <a:rPr lang="ko-KR" altLang="en-US"/>
               <a:t>다섯째 수준</a:t>
             </a:r>
-            <a:endParaRPr lang="ko-KR" altLang="en-US"/>
           </a:p>
         </p:txBody>
       </p:sp>
@@ -1629,7 +1631,7 @@
           <a:p>
             <a:pPr lvl="0"/>
             <a:r>
-              <a:rPr lang="ko-KR" altLang="en-US" smtClean="0"/>
+              <a:rPr lang="ko-KR" altLang="en-US"/>
               <a:t>마스터 텍스트 스타일을 편집합니다</a:t>
             </a:r>
           </a:p>
@@ -1685,38 +1687,37 @@
           <a:p>
             <a:pPr lvl="0"/>
             <a:r>
-              <a:rPr lang="ko-KR" altLang="en-US" smtClean="0"/>
+              <a:rPr lang="ko-KR" altLang="en-US"/>
               <a:t>마스터 텍스트 스타일을 편집합니다</a:t>
             </a:r>
           </a:p>
           <a:p>
             <a:pPr lvl="1"/>
             <a:r>
-              <a:rPr lang="ko-KR" altLang="en-US" smtClean="0"/>
+              <a:rPr lang="ko-KR" altLang="en-US"/>
               <a:t>둘째 수준</a:t>
             </a:r>
           </a:p>
           <a:p>
             <a:pPr lvl="2"/>
             <a:r>
-              <a:rPr lang="ko-KR" altLang="en-US" smtClean="0"/>
+              <a:rPr lang="ko-KR" altLang="en-US"/>
               <a:t>셋째 수준</a:t>
             </a:r>
           </a:p>
           <a:p>
             <a:pPr lvl="3"/>
             <a:r>
-              <a:rPr lang="ko-KR" altLang="en-US" smtClean="0"/>
+              <a:rPr lang="ko-KR" altLang="en-US"/>
               <a:t>넷째 수준</a:t>
             </a:r>
           </a:p>
           <a:p>
             <a:pPr lvl="4"/>
             <a:r>
-              <a:rPr lang="ko-KR" altLang="en-US" smtClean="0"/>
+              <a:rPr lang="ko-KR" altLang="en-US"/>
               <a:t>다섯째 수준</a:t>
             </a:r>
-            <a:endParaRPr lang="ko-KR" altLang="en-US"/>
           </a:p>
         </p:txBody>
       </p:sp>
@@ -1826,10 +1827,9 @@
           <a:lstStyle/>
           <a:p>
             <a:r>
-              <a:rPr lang="ko-KR" altLang="en-US" smtClean="0"/>
+              <a:rPr lang="ko-KR" altLang="en-US"/>
               <a:t>마스터 제목 스타일 편집</a:t>
             </a:r>
-            <a:endParaRPr lang="ko-KR" altLang="en-US"/>
           </a:p>
         </p:txBody>
       </p:sp>
@@ -2038,10 +2038,9 @@
           </a:lstStyle>
           <a:p>
             <a:r>
-              <a:rPr lang="ko-KR" altLang="en-US" smtClean="0"/>
+              <a:rPr lang="ko-KR" altLang="en-US"/>
               <a:t>마스터 제목 스타일 편집</a:t>
             </a:r>
-            <a:endParaRPr lang="ko-KR" altLang="en-US"/>
           </a:p>
         </p:txBody>
       </p:sp>
@@ -2095,38 +2094,37 @@
           <a:p>
             <a:pPr lvl="0"/>
             <a:r>
-              <a:rPr lang="ko-KR" altLang="en-US" smtClean="0"/>
+              <a:rPr lang="ko-KR" altLang="en-US"/>
               <a:t>마스터 텍스트 스타일을 편집합니다</a:t>
             </a:r>
           </a:p>
           <a:p>
             <a:pPr lvl="1"/>
             <a:r>
-              <a:rPr lang="ko-KR" altLang="en-US" smtClean="0"/>
+              <a:rPr lang="ko-KR" altLang="en-US"/>
               <a:t>둘째 수준</a:t>
             </a:r>
           </a:p>
           <a:p>
             <a:pPr lvl="2"/>
             <a:r>
-              <a:rPr lang="ko-KR" altLang="en-US" smtClean="0"/>
+              <a:rPr lang="ko-KR" altLang="en-US"/>
               <a:t>셋째 수준</a:t>
             </a:r>
           </a:p>
           <a:p>
             <a:pPr lvl="3"/>
             <a:r>
-              <a:rPr lang="ko-KR" altLang="en-US" smtClean="0"/>
+              <a:rPr lang="ko-KR" altLang="en-US"/>
               <a:t>넷째 수준</a:t>
             </a:r>
           </a:p>
           <a:p>
             <a:pPr lvl="4"/>
             <a:r>
-              <a:rPr lang="ko-KR" altLang="en-US" smtClean="0"/>
+              <a:rPr lang="ko-KR" altLang="en-US"/>
               <a:t>다섯째 수준</a:t>
             </a:r>
-            <a:endParaRPr lang="ko-KR" altLang="en-US"/>
           </a:p>
         </p:txBody>
       </p:sp>
@@ -2189,7 +2187,7 @@
           <a:p>
             <a:pPr lvl="0"/>
             <a:r>
-              <a:rPr lang="ko-KR" altLang="en-US" smtClean="0"/>
+              <a:rPr lang="ko-KR" altLang="en-US"/>
               <a:t>마스터 텍스트 스타일을 편집합니다</a:t>
             </a:r>
           </a:p>
@@ -2310,10 +2308,9 @@
           </a:lstStyle>
           <a:p>
             <a:r>
-              <a:rPr lang="ko-KR" altLang="en-US" smtClean="0"/>
+              <a:rPr lang="ko-KR" altLang="en-US"/>
               <a:t>마스터 제목 스타일 편집</a:t>
             </a:r>
-            <a:endParaRPr lang="ko-KR" altLang="en-US"/>
           </a:p>
         </p:txBody>
       </p:sp>
@@ -2437,7 +2434,7 @@
           <a:p>
             <a:pPr lvl="0"/>
             <a:r>
-              <a:rPr lang="ko-KR" altLang="en-US" smtClean="0"/>
+              <a:rPr lang="ko-KR" altLang="en-US"/>
               <a:t>마스터 텍스트 스타일을 편집합니다</a:t>
             </a:r>
           </a:p>
@@ -2564,10 +2561,9 @@
           <a:lstStyle/>
           <a:p>
             <a:r>
-              <a:rPr lang="ko-KR" altLang="en-US" smtClean="0"/>
+              <a:rPr lang="ko-KR" altLang="en-US"/>
               <a:t>마스터 제목 스타일 편집</a:t>
             </a:r>
-            <a:endParaRPr lang="ko-KR" altLang="en-US"/>
           </a:p>
         </p:txBody>
       </p:sp>
@@ -2598,38 +2594,37 @@
           <a:p>
             <a:pPr lvl="0"/>
             <a:r>
-              <a:rPr lang="ko-KR" altLang="en-US" smtClean="0"/>
+              <a:rPr lang="ko-KR" altLang="en-US"/>
               <a:t>마스터 텍스트 스타일을 편집합니다</a:t>
             </a:r>
           </a:p>
           <a:p>
             <a:pPr lvl="1"/>
             <a:r>
-              <a:rPr lang="ko-KR" altLang="en-US" smtClean="0"/>
+              <a:rPr lang="ko-KR" altLang="en-US"/>
               <a:t>둘째 수준</a:t>
             </a:r>
           </a:p>
           <a:p>
             <a:pPr lvl="2"/>
             <a:r>
-              <a:rPr lang="ko-KR" altLang="en-US" smtClean="0"/>
+              <a:rPr lang="ko-KR" altLang="en-US"/>
               <a:t>셋째 수준</a:t>
             </a:r>
           </a:p>
           <a:p>
             <a:pPr lvl="3"/>
             <a:r>
-              <a:rPr lang="ko-KR" altLang="en-US" smtClean="0"/>
+              <a:rPr lang="ko-KR" altLang="en-US"/>
               <a:t>넷째 수준</a:t>
             </a:r>
           </a:p>
           <a:p>
             <a:pPr lvl="4"/>
             <a:r>
-              <a:rPr lang="ko-KR" altLang="en-US" smtClean="0"/>
+              <a:rPr lang="ko-KR" altLang="en-US"/>
               <a:t>다섯째 수준</a:t>
             </a:r>
-            <a:endParaRPr lang="ko-KR" altLang="en-US"/>
           </a:p>
         </p:txBody>
       </p:sp>
@@ -3054,14 +3049,13 @@
           <a:lstStyle/>
           <a:p>
             <a:r>
-              <a:rPr lang="en-US" altLang="ko-KR" dirty="0" smtClean="0"/>
+              <a:rPr lang="en-US" altLang="ko-KR" dirty="0"/>
               <a:t>Project6 </a:t>
             </a:r>
             <a:r>
-              <a:rPr lang="ko-KR" altLang="en-US" dirty="0" smtClean="0"/>
+              <a:rPr lang="ko-KR" altLang="en-US" dirty="0"/>
               <a:t>기능정리</a:t>
             </a:r>
-            <a:endParaRPr lang="ko-KR" altLang="en-US" dirty="0"/>
           </a:p>
         </p:txBody>
       </p:sp>
@@ -3132,10 +3126,10 @@
           <a:lstStyle/>
           <a:p>
             <a:r>
-              <a:rPr lang="ko-KR" altLang="en-US" dirty="0" smtClean="0"/>
+              <a:rPr lang="ko-KR" altLang="en-US" dirty="0"/>
               <a:t>사용자</a:t>
             </a:r>
-            <a:endParaRPr lang="en-US" altLang="ko-KR" dirty="0" smtClean="0"/>
+            <a:endParaRPr lang="en-US" altLang="ko-KR" dirty="0"/>
           </a:p>
         </p:txBody>
       </p:sp>
@@ -3164,10 +3158,297 @@
             <a:endParaRPr lang="en-US" altLang="ko-KR" dirty="0"/>
           </a:p>
           <a:p>
-            <a:endParaRPr lang="en-US" altLang="ko-KR" dirty="0" smtClean="0"/>
+            <a:endParaRPr lang="en-US" altLang="ko-KR" dirty="0"/>
           </a:p>
           <a:p>
             <a:endParaRPr lang="ko-KR" altLang="en-US" dirty="0"/>
+          </a:p>
+        </p:txBody>
+      </p:sp>
+      <p:sp>
+        <p:nvSpPr>
+          <p:cNvPr id="2" name="TextBox 1">
+            <a:extLst>
+              <a:ext uri="{FF2B5EF4-FFF2-40B4-BE49-F238E27FC236}">
+                <a16:creationId xmlns:a16="http://schemas.microsoft.com/office/drawing/2014/main" id="{4E7D3C9C-CDF6-4942-9C18-B2CF62DFD894}"/>
+              </a:ext>
+            </a:extLst>
+          </p:cNvPr>
+          <p:cNvSpPr txBox="1"/>
+          <p:nvPr/>
+        </p:nvSpPr>
+        <p:spPr>
+          <a:xfrm>
+            <a:off x="613327" y="1124744"/>
+            <a:ext cx="7559890" cy="4193777"/>
+          </a:xfrm>
+          <a:prstGeom prst="rect">
+            <a:avLst/>
+          </a:prstGeom>
+          <a:noFill/>
+        </p:spPr>
+        <p:txBody>
+          <a:bodyPr wrap="none" rtlCol="0">
+            <a:spAutoFit/>
+          </a:bodyPr>
+          <a:lstStyle/>
+          <a:p>
+            <a:pPr marL="342900" indent="-342900">
+              <a:lnSpc>
+                <a:spcPct val="150000"/>
+              </a:lnSpc>
+              <a:buAutoNum type="arabicPeriod"/>
+            </a:pPr>
+            <a:r>
+              <a:rPr lang="ko-KR" altLang="en-US" dirty="0"/>
+              <a:t>회원등록</a:t>
+            </a:r>
+            <a:endParaRPr lang="en-US" altLang="ko-KR" dirty="0"/>
+          </a:p>
+          <a:p>
+            <a:pPr marL="742950" lvl="1" indent="-285750">
+              <a:lnSpc>
+                <a:spcPct val="150000"/>
+              </a:lnSpc>
+              <a:buFont typeface="맑은 고딕" panose="020B0503020000020004" pitchFamily="50" charset="-127"/>
+              <a:buChar char="→"/>
+            </a:pPr>
+            <a:r>
+              <a:rPr lang="ko-KR" altLang="en-US" dirty="0"/>
+              <a:t>로그인</a:t>
+            </a:r>
+            <a:r>
+              <a:rPr lang="en-US" altLang="ko-KR" dirty="0"/>
+              <a:t>, </a:t>
+            </a:r>
+            <a:r>
+              <a:rPr lang="ko-KR" altLang="en-US" dirty="0"/>
+              <a:t>회원가입</a:t>
+            </a:r>
+            <a:r>
+              <a:rPr lang="en-US" altLang="ko-KR" dirty="0"/>
+              <a:t>, </a:t>
+            </a:r>
+            <a:r>
+              <a:rPr lang="ko-KR" altLang="en-US" dirty="0"/>
+              <a:t>아이디 찾기</a:t>
+            </a:r>
+            <a:r>
+              <a:rPr lang="en-US" altLang="ko-KR" dirty="0"/>
+              <a:t>, </a:t>
+            </a:r>
+            <a:r>
+              <a:rPr lang="ko-KR" altLang="en-US" dirty="0"/>
+              <a:t>비밀번호 찾기</a:t>
+            </a:r>
+            <a:endParaRPr lang="en-US" altLang="ko-KR" dirty="0"/>
+          </a:p>
+          <a:p>
+            <a:pPr marL="342900" indent="-342900">
+              <a:lnSpc>
+                <a:spcPct val="150000"/>
+              </a:lnSpc>
+              <a:buAutoNum type="arabicPeriod"/>
+            </a:pPr>
+            <a:r>
+              <a:rPr lang="ko-KR" altLang="en-US" dirty="0"/>
+              <a:t>회원서비스</a:t>
+            </a:r>
+            <a:endParaRPr lang="en-US" altLang="ko-KR" dirty="0"/>
+          </a:p>
+          <a:p>
+            <a:pPr marL="800100" lvl="1" indent="-342900">
+              <a:lnSpc>
+                <a:spcPct val="150000"/>
+              </a:lnSpc>
+              <a:buFont typeface="맑은 고딕" panose="020B0503020000020004" pitchFamily="50" charset="-127"/>
+              <a:buChar char="→"/>
+            </a:pPr>
+            <a:r>
+              <a:rPr lang="ko-KR" altLang="en-US" dirty="0" err="1"/>
+              <a:t>투자펀딩</a:t>
+            </a:r>
+            <a:r>
+              <a:rPr lang="en-US" altLang="ko-KR" dirty="0"/>
+              <a:t>, </a:t>
+            </a:r>
+            <a:r>
+              <a:rPr lang="ko-KR" altLang="en-US" dirty="0" err="1"/>
+              <a:t>리워드펀딩</a:t>
+            </a:r>
+            <a:r>
+              <a:rPr lang="en-US" altLang="ko-KR" dirty="0"/>
+              <a:t>, </a:t>
+            </a:r>
+            <a:r>
+              <a:rPr lang="ko-KR" altLang="en-US" dirty="0"/>
+              <a:t>스토어</a:t>
+            </a:r>
+            <a:endParaRPr lang="en-US" altLang="ko-KR" dirty="0"/>
+          </a:p>
+          <a:p>
+            <a:pPr marL="342900" indent="-342900">
+              <a:lnSpc>
+                <a:spcPct val="150000"/>
+              </a:lnSpc>
+              <a:buAutoNum type="arabicPeriod"/>
+            </a:pPr>
+            <a:r>
+              <a:rPr lang="ko-KR" altLang="en-US" dirty="0"/>
+              <a:t>마이페이지</a:t>
+            </a:r>
+            <a:endParaRPr lang="en-US" altLang="ko-KR" dirty="0"/>
+          </a:p>
+          <a:p>
+            <a:pPr marL="800100" lvl="1" indent="-342900">
+              <a:lnSpc>
+                <a:spcPct val="150000"/>
+              </a:lnSpc>
+              <a:buFont typeface="맑은 고딕" panose="020B0503020000020004" pitchFamily="50" charset="-127"/>
+              <a:buChar char="→"/>
+            </a:pPr>
+            <a:r>
+              <a:rPr lang="ko-KR" altLang="en-US" dirty="0"/>
+              <a:t>회원정보 수정</a:t>
+            </a:r>
+            <a:r>
+              <a:rPr lang="en-US" altLang="ko-KR" dirty="0"/>
+              <a:t>, </a:t>
+            </a:r>
+            <a:r>
+              <a:rPr lang="ko-KR" altLang="en-US" dirty="0"/>
+              <a:t>나의 </a:t>
+            </a:r>
+            <a:r>
+              <a:rPr lang="ko-KR" altLang="en-US" dirty="0" err="1"/>
+              <a:t>펀딩</a:t>
+            </a:r>
+            <a:r>
+              <a:rPr lang="ko-KR" altLang="en-US" dirty="0"/>
+              <a:t> 내역</a:t>
+            </a:r>
+            <a:r>
+              <a:rPr lang="en-US" altLang="ko-KR" dirty="0"/>
+              <a:t>, </a:t>
+            </a:r>
+            <a:r>
+              <a:rPr lang="ko-KR" altLang="en-US" dirty="0"/>
+              <a:t>관심 </a:t>
+            </a:r>
+            <a:r>
+              <a:rPr lang="ko-KR" altLang="en-US" dirty="0" err="1"/>
+              <a:t>펀딩</a:t>
+            </a:r>
+            <a:r>
+              <a:rPr lang="en-US" altLang="ko-KR" dirty="0"/>
+              <a:t>, </a:t>
+            </a:r>
+            <a:r>
+              <a:rPr lang="ko-KR" altLang="en-US" dirty="0"/>
+              <a:t>주문배송조회</a:t>
+            </a:r>
+            <a:endParaRPr lang="en-US" altLang="ko-KR" dirty="0"/>
+          </a:p>
+          <a:p>
+            <a:pPr marL="342900" indent="-342900">
+              <a:lnSpc>
+                <a:spcPct val="150000"/>
+              </a:lnSpc>
+              <a:buAutoNum type="arabicPeriod"/>
+            </a:pPr>
+            <a:r>
+              <a:rPr lang="ko-KR" altLang="en-US" dirty="0"/>
+              <a:t>고객센터</a:t>
+            </a:r>
+            <a:endParaRPr lang="en-US" altLang="ko-KR" dirty="0"/>
+          </a:p>
+          <a:p>
+            <a:pPr marL="800100" lvl="1" indent="-342900">
+              <a:lnSpc>
+                <a:spcPct val="150000"/>
+              </a:lnSpc>
+              <a:buFont typeface="맑은 고딕" panose="020B0503020000020004" pitchFamily="50" charset="-127"/>
+              <a:buChar char="→"/>
+            </a:pPr>
+            <a:r>
+              <a:rPr lang="ko-KR" altLang="en-US" dirty="0"/>
+              <a:t>회사소개</a:t>
+            </a:r>
+            <a:r>
+              <a:rPr lang="en-US" altLang="ko-KR" dirty="0"/>
+              <a:t>, </a:t>
+            </a:r>
+            <a:r>
+              <a:rPr lang="ko-KR" altLang="en-US" dirty="0"/>
+              <a:t>공지사항</a:t>
+            </a:r>
+            <a:r>
+              <a:rPr lang="en-US" altLang="ko-KR" dirty="0"/>
+              <a:t>, FAQ(</a:t>
+            </a:r>
+            <a:r>
+              <a:rPr lang="ko-KR" altLang="en-US" dirty="0"/>
+              <a:t>사이트이용방법 등</a:t>
+            </a:r>
+            <a:r>
+              <a:rPr lang="en-US" altLang="ko-KR" dirty="0"/>
+              <a:t>), 1:1</a:t>
+            </a:r>
+            <a:r>
+              <a:rPr lang="ko-KR" altLang="en-US" dirty="0"/>
+              <a:t>문의</a:t>
+            </a:r>
+            <a:r>
+              <a:rPr lang="en-US" altLang="ko-KR" dirty="0"/>
+              <a:t>, </a:t>
+            </a:r>
+            <a:r>
+              <a:rPr lang="ko-KR" altLang="en-US" dirty="0"/>
+              <a:t>신고하기</a:t>
+            </a:r>
+          </a:p>
+          <a:p>
+            <a:pPr marL="342900" indent="-342900">
+              <a:lnSpc>
+                <a:spcPct val="150000"/>
+              </a:lnSpc>
+              <a:buAutoNum type="arabicPeriod"/>
+            </a:pPr>
+            <a:r>
+              <a:rPr lang="ko-KR" altLang="en-US" dirty="0" err="1"/>
+              <a:t>메이커스</a:t>
+            </a:r>
+            <a:endParaRPr lang="en-US" altLang="ko-KR" dirty="0"/>
+          </a:p>
+          <a:p>
+            <a:pPr marL="800100" lvl="1" indent="-342900">
+              <a:lnSpc>
+                <a:spcPct val="150000"/>
+              </a:lnSpc>
+              <a:buFont typeface="맑은 고딕" panose="020B0503020000020004" pitchFamily="50" charset="-127"/>
+              <a:buChar char="→"/>
+            </a:pPr>
+            <a:r>
+              <a:rPr lang="ko-KR" altLang="en-US" dirty="0" err="1"/>
+              <a:t>펀딩오픈</a:t>
+            </a:r>
+            <a:r>
+              <a:rPr lang="en-US" altLang="ko-KR" dirty="0"/>
+              <a:t>, </a:t>
+            </a:r>
+            <a:r>
+              <a:rPr lang="ko-KR" altLang="en-US" dirty="0"/>
+              <a:t>정산</a:t>
+            </a:r>
+            <a:r>
+              <a:rPr lang="en-US" altLang="ko-KR" dirty="0"/>
+              <a:t>, </a:t>
+            </a:r>
+            <a:r>
+              <a:rPr lang="ko-KR" altLang="en-US" dirty="0"/>
+              <a:t>스토어운영</a:t>
+            </a:r>
+            <a:endParaRPr lang="en-US" altLang="ko-KR" dirty="0"/>
           </a:p>
         </p:txBody>
       </p:sp>
@@ -3219,10 +3500,209 @@
           <a:lstStyle/>
           <a:p>
             <a:r>
-              <a:rPr lang="ko-KR" altLang="en-US" dirty="0" smtClean="0"/>
+              <a:rPr lang="ko-KR" altLang="en-US" dirty="0"/>
               <a:t>관리자</a:t>
             </a:r>
-            <a:endParaRPr lang="en-US" altLang="ko-KR" dirty="0" smtClean="0"/>
+            <a:endParaRPr lang="en-US" altLang="ko-KR" dirty="0"/>
+          </a:p>
+        </p:txBody>
+      </p:sp>
+      <p:sp>
+        <p:nvSpPr>
+          <p:cNvPr id="5" name="TextBox 4">
+            <a:extLst>
+              <a:ext uri="{FF2B5EF4-FFF2-40B4-BE49-F238E27FC236}">
+                <a16:creationId xmlns:a16="http://schemas.microsoft.com/office/drawing/2014/main" id="{D0FA0E8E-016E-4510-9C6A-B86F311D3C68}"/>
+              </a:ext>
+            </a:extLst>
+          </p:cNvPr>
+          <p:cNvSpPr txBox="1"/>
+          <p:nvPr/>
+        </p:nvSpPr>
+        <p:spPr>
+          <a:xfrm>
+            <a:off x="613327" y="1124744"/>
+            <a:ext cx="4602542" cy="4193777"/>
+          </a:xfrm>
+          <a:prstGeom prst="rect">
+            <a:avLst/>
+          </a:prstGeom>
+          <a:noFill/>
+        </p:spPr>
+        <p:txBody>
+          <a:bodyPr wrap="none" rtlCol="0">
+            <a:spAutoFit/>
+          </a:bodyPr>
+          <a:lstStyle/>
+          <a:p>
+            <a:pPr marL="342900" indent="-342900">
+              <a:lnSpc>
+                <a:spcPct val="150000"/>
+              </a:lnSpc>
+              <a:buAutoNum type="arabicPeriod"/>
+            </a:pPr>
+            <a:r>
+              <a:rPr lang="ko-KR" altLang="en-US" dirty="0"/>
+              <a:t>회원관리</a:t>
+            </a:r>
+            <a:endParaRPr lang="en-US" altLang="ko-KR" dirty="0"/>
+          </a:p>
+          <a:p>
+            <a:pPr marL="742950" lvl="1" indent="-285750">
+              <a:lnSpc>
+                <a:spcPct val="150000"/>
+              </a:lnSpc>
+              <a:buFont typeface="맑은 고딕" panose="020B0503020000020004" pitchFamily="50" charset="-127"/>
+              <a:buChar char="→"/>
+            </a:pPr>
+            <a:r>
+              <a:rPr lang="ko-KR" altLang="en-US" dirty="0"/>
+              <a:t>회원상세정보</a:t>
+            </a:r>
+            <a:endParaRPr lang="en-US" altLang="ko-KR" dirty="0"/>
+          </a:p>
+          <a:p>
+            <a:pPr marL="342900" indent="-342900">
+              <a:lnSpc>
+                <a:spcPct val="150000"/>
+              </a:lnSpc>
+              <a:buAutoNum type="arabicPeriod"/>
+            </a:pPr>
+            <a:r>
+              <a:rPr lang="ko-KR" altLang="en-US" dirty="0" err="1"/>
+              <a:t>펀딩관리</a:t>
+            </a:r>
+            <a:endParaRPr lang="en-US" altLang="ko-KR" dirty="0"/>
+          </a:p>
+          <a:p>
+            <a:pPr marL="800100" lvl="1" indent="-342900">
+              <a:lnSpc>
+                <a:spcPct val="150000"/>
+              </a:lnSpc>
+              <a:buFont typeface="맑은 고딕" panose="020B0503020000020004" pitchFamily="50" charset="-127"/>
+              <a:buChar char="→"/>
+            </a:pPr>
+            <a:r>
+              <a:rPr lang="ko-KR" altLang="en-US" dirty="0" err="1"/>
+              <a:t>펀딩승인</a:t>
+            </a:r>
+            <a:r>
+              <a:rPr lang="en-US" altLang="ko-KR" dirty="0"/>
+              <a:t>, </a:t>
+            </a:r>
+            <a:r>
+              <a:rPr lang="ko-KR" altLang="en-US" dirty="0" err="1"/>
+              <a:t>펀딩결과</a:t>
+            </a:r>
+            <a:r>
+              <a:rPr lang="ko-KR" altLang="en-US" dirty="0"/>
+              <a:t> 및 서포터 정산</a:t>
+            </a:r>
+            <a:endParaRPr lang="en-US" altLang="ko-KR" dirty="0"/>
+          </a:p>
+          <a:p>
+            <a:pPr marL="342900" indent="-342900">
+              <a:lnSpc>
+                <a:spcPct val="150000"/>
+              </a:lnSpc>
+              <a:buAutoNum type="arabicPeriod"/>
+            </a:pPr>
+            <a:r>
+              <a:rPr lang="ko-KR" altLang="en-US" dirty="0"/>
+              <a:t>스토어관리</a:t>
+            </a:r>
+            <a:endParaRPr lang="en-US" altLang="ko-KR" dirty="0"/>
+          </a:p>
+          <a:p>
+            <a:pPr marL="800100" lvl="1" indent="-342900">
+              <a:lnSpc>
+                <a:spcPct val="150000"/>
+              </a:lnSpc>
+              <a:buFont typeface="맑은 고딕" panose="020B0503020000020004" pitchFamily="50" charset="-127"/>
+              <a:buChar char="→"/>
+            </a:pPr>
+            <a:r>
+              <a:rPr lang="ko-KR" altLang="en-US" dirty="0"/>
+              <a:t>스토어 승인</a:t>
+            </a:r>
+            <a:r>
+              <a:rPr lang="en-US" altLang="ko-KR" dirty="0"/>
+              <a:t>, </a:t>
+            </a:r>
+            <a:r>
+              <a:rPr lang="ko-KR" altLang="en-US" dirty="0"/>
+              <a:t>상품관리</a:t>
+            </a:r>
+            <a:endParaRPr lang="en-US" altLang="ko-KR" dirty="0"/>
+          </a:p>
+          <a:p>
+            <a:pPr marL="342900" indent="-342900">
+              <a:lnSpc>
+                <a:spcPct val="150000"/>
+              </a:lnSpc>
+              <a:buAutoNum type="arabicPeriod"/>
+            </a:pPr>
+            <a:r>
+              <a:rPr lang="ko-KR" altLang="en-US" dirty="0"/>
+              <a:t>고객센터 관리</a:t>
+            </a:r>
+            <a:endParaRPr lang="en-US" altLang="ko-KR" dirty="0"/>
+          </a:p>
+          <a:p>
+            <a:pPr marL="800100" lvl="1" indent="-342900">
+              <a:lnSpc>
+                <a:spcPct val="150000"/>
+              </a:lnSpc>
+              <a:buFont typeface="맑은 고딕" panose="020B0503020000020004" pitchFamily="50" charset="-127"/>
+              <a:buChar char="→"/>
+            </a:pPr>
+            <a:r>
+              <a:rPr lang="ko-KR" altLang="en-US" dirty="0"/>
+              <a:t>공지사항</a:t>
+            </a:r>
+            <a:r>
+              <a:rPr lang="en-US" altLang="ko-KR"/>
+              <a:t>, </a:t>
+            </a:r>
+            <a:r>
+              <a:rPr lang="en-US" altLang="ko-KR" dirty="0"/>
+              <a:t>1:1</a:t>
+            </a:r>
+            <a:r>
+              <a:rPr lang="ko-KR" altLang="en-US" dirty="0"/>
+              <a:t>문의</a:t>
+            </a:r>
+          </a:p>
+          <a:p>
+            <a:pPr marL="342900" indent="-342900">
+              <a:lnSpc>
+                <a:spcPct val="150000"/>
+              </a:lnSpc>
+              <a:buAutoNum type="arabicPeriod"/>
+            </a:pPr>
+            <a:r>
+              <a:rPr lang="ko-KR" altLang="en-US" dirty="0" err="1"/>
+              <a:t>메이커스</a:t>
+            </a:r>
+            <a:r>
+              <a:rPr lang="ko-KR" altLang="en-US" dirty="0"/>
+              <a:t> 관리</a:t>
+            </a:r>
+            <a:endParaRPr lang="en-US" altLang="ko-KR" dirty="0"/>
+          </a:p>
+          <a:p>
+            <a:pPr marL="800100" lvl="1" indent="-342900">
+              <a:lnSpc>
+                <a:spcPct val="150000"/>
+              </a:lnSpc>
+              <a:buFont typeface="맑은 고딕" panose="020B0503020000020004" pitchFamily="50" charset="-127"/>
+              <a:buChar char="→"/>
+            </a:pPr>
+            <a:r>
+              <a:rPr lang="ko-KR" altLang="en-US" dirty="0"/>
+              <a:t>정산</a:t>
+            </a:r>
+            <a:endParaRPr lang="en-US" altLang="ko-KR" dirty="0"/>
           </a:p>
         </p:txBody>
       </p:sp>
@@ -3274,10 +3754,10 @@
           <a:lstStyle/>
           <a:p>
             <a:r>
-              <a:rPr lang="ko-KR" altLang="en-US" dirty="0" smtClean="0"/>
+              <a:rPr lang="ko-KR" altLang="en-US" dirty="0"/>
               <a:t>기타 추가하고 싶은 기능</a:t>
             </a:r>
-            <a:endParaRPr lang="en-US" altLang="ko-KR" dirty="0" smtClean="0"/>
+            <a:endParaRPr lang="en-US" altLang="ko-KR" dirty="0"/>
           </a:p>
         </p:txBody>
       </p:sp>
